--- a/ch04_datasets/figures/CorpusDataset_Stats.pptx
+++ b/ch04_datasets/figures/CorpusDataset_Stats.pptx
@@ -3023,11 +3023,7 @@
             </a:r>
             <a:r>
               <a:rPr lang="en-US" dirty="0" smtClean="0"/>
-              <a:t> </a:t>
-            </a:r>
-            <a:r>
-              <a:rPr lang="en-US" dirty="0" smtClean="0"/>
-              <a:t>Corpus (MAIN)</a:t>
+              <a:t> Corpus (MAIN)</a:t>
             </a:r>
             <a:endParaRPr lang="en-US" dirty="0"/>
           </a:p>
@@ -3100,14 +3096,6 @@
               </a:rPr>
               <a:t>2380</a:t>
             </a:r>
-            <a:endParaRPr lang="en-US" dirty="0" smtClean="0">
-              <a:solidFill>
-                <a:schemeClr val="tx1"/>
-              </a:solidFill>
-              <a:latin typeface="Times New Roman" charset="0"/>
-              <a:ea typeface="Times New Roman" charset="0"/>
-              <a:cs typeface="Times New Roman" charset="0"/>
-            </a:endParaRPr>
           </a:p>
           <a:p>
             <a:pPr algn="ctr"/>
@@ -4130,11 +4118,7 @@
             </a:r>
             <a:r>
               <a:rPr lang="en-US" dirty="0" smtClean="0"/>
-              <a:t> </a:t>
-            </a:r>
-            <a:r>
-              <a:rPr lang="en-US" dirty="0" smtClean="0"/>
-              <a:t>Corpus GOPALA GIVEN NUMBERS, NOT WHAT I WANT</a:t>
+              <a:t> Corpus GOPALA GIVEN NUMBERS, NOT WHAT I WANT</a:t>
             </a:r>
             <a:endParaRPr lang="en-US" dirty="0"/>
           </a:p>
@@ -6387,11 +6371,7 @@
             </a:r>
             <a:r>
               <a:rPr lang="en-US" dirty="0" smtClean="0"/>
-              <a:t> </a:t>
-            </a:r>
-            <a:r>
-              <a:rPr lang="en-US" dirty="0" smtClean="0"/>
-              <a:t>Corpus (BOOTLEG)</a:t>
+              <a:t> Corpus (BOOTLEG)</a:t>
             </a:r>
             <a:endParaRPr lang="en-US" dirty="0"/>
           </a:p>
@@ -6464,14 +6444,6 @@
               </a:rPr>
               <a:t>997</a:t>
             </a:r>
-            <a:endParaRPr lang="en-US" dirty="0" smtClean="0">
-              <a:solidFill>
-                <a:schemeClr val="tx1"/>
-              </a:solidFill>
-              <a:latin typeface="Times New Roman" charset="0"/>
-              <a:ea typeface="Times New Roman" charset="0"/>
-              <a:cs typeface="Times New Roman" charset="0"/>
-            </a:endParaRPr>
           </a:p>
           <a:p>
             <a:pPr algn="ctr"/>
@@ -7494,14 +7466,6 @@
               </a:rPr>
               <a:t>197</a:t>
             </a:r>
-            <a:endParaRPr lang="en-US" dirty="0" smtClean="0">
-              <a:solidFill>
-                <a:schemeClr val="tx1"/>
-              </a:solidFill>
-              <a:latin typeface="Times New Roman" charset="0"/>
-              <a:ea typeface="Times New Roman" charset="0"/>
-              <a:cs typeface="Times New Roman" charset="0"/>
-            </a:endParaRPr>
           </a:p>
           <a:p>
             <a:pPr algn="ctr"/>
@@ -8452,11 +8416,7 @@
             </a:r>
             <a:r>
               <a:rPr lang="en-US" dirty="0" smtClean="0"/>
-              <a:t> </a:t>
-            </a:r>
-            <a:r>
-              <a:rPr lang="en-US" dirty="0" smtClean="0"/>
-              <a:t>Corpus (Main)</a:t>
+              <a:t> Corpus (Main)</a:t>
             </a:r>
           </a:p>
         </p:txBody>
@@ -8528,14 +8488,6 @@
               </a:rPr>
               <a:t>1124</a:t>
             </a:r>
-            <a:endParaRPr lang="en-US" dirty="0" smtClean="0">
-              <a:solidFill>
-                <a:schemeClr val="tx1"/>
-              </a:solidFill>
-              <a:latin typeface="Times New Roman" charset="0"/>
-              <a:ea typeface="Times New Roman" charset="0"/>
-              <a:cs typeface="Times New Roman" charset="0"/>
-            </a:endParaRPr>
           </a:p>
           <a:p>
             <a:pPr algn="ctr"/>
@@ -9486,11 +9438,7 @@
             </a:r>
             <a:r>
               <a:rPr lang="en-US" dirty="0" smtClean="0"/>
-              <a:t> </a:t>
-            </a:r>
-            <a:r>
-              <a:rPr lang="en-US" dirty="0" smtClean="0"/>
-              <a:t>Corpus (CC)</a:t>
+              <a:t> Corpus (CC)</a:t>
             </a:r>
           </a:p>
         </p:txBody>
@@ -9562,14 +9510,6 @@
               </a:rPr>
               <a:t>108</a:t>
             </a:r>
-            <a:endParaRPr lang="en-US" dirty="0" smtClean="0">
-              <a:solidFill>
-                <a:schemeClr val="tx1"/>
-              </a:solidFill>
-              <a:latin typeface="Times New Roman" charset="0"/>
-              <a:ea typeface="Times New Roman" charset="0"/>
-              <a:cs typeface="Times New Roman" charset="0"/>
-            </a:endParaRPr>
           </a:p>
           <a:p>
             <a:pPr algn="ctr"/>
@@ -10584,14 +10524,6 @@
               </a:rPr>
               <a:t>480</a:t>
             </a:r>
-            <a:endParaRPr lang="en-US" dirty="0" smtClean="0">
-              <a:solidFill>
-                <a:schemeClr val="tx1"/>
-              </a:solidFill>
-              <a:latin typeface="Times New Roman" charset="0"/>
-              <a:ea typeface="Times New Roman" charset="0"/>
-              <a:cs typeface="Times New Roman" charset="0"/>
-            </a:endParaRPr>
           </a:p>
           <a:p>
             <a:pPr algn="ctr"/>
@@ -11634,14 +11566,6 @@
               </a:rPr>
               <a:t>300</a:t>
             </a:r>
-            <a:endParaRPr lang="en-US" dirty="0" smtClean="0">
-              <a:solidFill>
-                <a:schemeClr val="tx1"/>
-              </a:solidFill>
-              <a:latin typeface="Times New Roman" charset="0"/>
-              <a:ea typeface="Times New Roman" charset="0"/>
-              <a:cs typeface="Times New Roman" charset="0"/>
-            </a:endParaRPr>
           </a:p>
           <a:p>
             <a:pPr algn="ctr"/>
@@ -11932,14 +11856,6 @@
               </a:rPr>
               <a:t>6</a:t>
             </a:r>
-            <a:endParaRPr lang="en-US" dirty="0">
-              <a:solidFill>
-                <a:schemeClr val="tx1"/>
-              </a:solidFill>
-              <a:latin typeface="Times New Roman" charset="0"/>
-              <a:ea typeface="Times New Roman" charset="0"/>
-              <a:cs typeface="Times New Roman" charset="0"/>
-            </a:endParaRPr>
           </a:p>
         </p:txBody>
       </p:sp>
@@ -12612,11 +12528,7 @@
           <a:p>
             <a:r>
               <a:rPr lang="en-US" dirty="0" smtClean="0"/>
-              <a:t>Carnatic CC </a:t>
-            </a:r>
-            <a:r>
-              <a:rPr lang="en-US" dirty="0" smtClean="0"/>
-              <a:t>Corpus Annotations</a:t>
+              <a:t>Carnatic CC Corpus Annotations</a:t>
             </a:r>
             <a:endParaRPr lang="en-US" dirty="0"/>
           </a:p>
@@ -12686,7 +12598,7 @@
                 <a:latin typeface="Times New Roman"/>
                 <a:cs typeface="Times New Roman"/>
               </a:rPr>
-              <a:t>209</a:t>
+              <a:t>197</a:t>
             </a:r>
             <a:endParaRPr lang="en-US" sz="1400" dirty="0">
               <a:solidFill>
@@ -12719,7 +12631,7 @@
                 <a:latin typeface="Times New Roman"/>
                 <a:cs typeface="Times New Roman"/>
               </a:rPr>
-              <a:t>20</a:t>
+              <a:t>19</a:t>
             </a:r>
             <a:endParaRPr lang="en-US" sz="1400" dirty="0">
               <a:solidFill>
@@ -13152,7 +13064,7 @@
                 <a:latin typeface="Times New Roman"/>
                 <a:cs typeface="Times New Roman"/>
               </a:rPr>
-              <a:t>536</a:t>
+              <a:t>534</a:t>
             </a:r>
             <a:endParaRPr lang="en-US" sz="1400" dirty="0">
               <a:solidFill>
@@ -13312,7 +13224,7 @@
                 <a:latin typeface="Times New Roman"/>
                 <a:cs typeface="Times New Roman"/>
               </a:rPr>
-              <a:t>157</a:t>
+              <a:t>197</a:t>
             </a:r>
             <a:endParaRPr lang="en-US" sz="1400" dirty="0">
               <a:latin typeface="Times New Roman"/>
@@ -13389,7 +13301,7 @@
                 <a:latin typeface="Times New Roman"/>
                 <a:cs typeface="Times New Roman"/>
               </a:rPr>
-              <a:t>196</a:t>
+              <a:t>197</a:t>
             </a:r>
             <a:endParaRPr lang="en-US" sz="1400" dirty="0">
               <a:latin typeface="Times New Roman"/>
@@ -13758,7 +13670,7 @@
                 <a:latin typeface="Times New Roman"/>
                 <a:cs typeface="Times New Roman"/>
               </a:rPr>
-              <a:t>92</a:t>
+              <a:t>108</a:t>
             </a:r>
             <a:endParaRPr lang="en-US" sz="1400" dirty="0">
               <a:solidFill>
@@ -13791,7 +13703,7 @@
                 <a:latin typeface="Times New Roman"/>
                 <a:cs typeface="Times New Roman"/>
               </a:rPr>
-              <a:t>32</a:t>
+              <a:t>36</a:t>
             </a:r>
             <a:endParaRPr lang="en-US" sz="1400" dirty="0">
               <a:solidFill>
@@ -14203,15 +14115,22 @@
           <a:p>
             <a:pPr algn="ctr"/>
             <a:r>
-              <a:rPr lang="en-US" sz="1400" dirty="0">
+              <a:rPr lang="en-US" sz="1400" dirty="0" smtClean="0">
                 <a:solidFill>
                   <a:srgbClr val="000000"/>
                 </a:solidFill>
                 <a:latin typeface="Times New Roman"/>
                 <a:cs typeface="Times New Roman"/>
               </a:rPr>
-              <a:t>217</a:t>
-            </a:r>
+              <a:t>215</a:t>
+            </a:r>
+            <a:endParaRPr lang="en-US" sz="1400" dirty="0">
+              <a:solidFill>
+                <a:srgbClr val="000000"/>
+              </a:solidFill>
+              <a:latin typeface="Times New Roman"/>
+              <a:cs typeface="Times New Roman"/>
+            </a:endParaRPr>
           </a:p>
         </p:txBody>
       </p:sp>
@@ -14356,12 +14275,16 @@
           <a:p>
             <a:pPr algn="ctr"/>
             <a:r>
-              <a:rPr lang="en-US" sz="1400" dirty="0">
+              <a:rPr lang="en-US" sz="1400" dirty="0" smtClean="0">
                 <a:latin typeface="Times New Roman"/>
                 <a:cs typeface="Times New Roman"/>
               </a:rPr>
-              <a:t>90</a:t>
-            </a:r>
+              <a:t>108</a:t>
+            </a:r>
+            <a:endParaRPr lang="en-US" sz="1400" dirty="0">
+              <a:latin typeface="Times New Roman"/>
+              <a:cs typeface="Times New Roman"/>
+            </a:endParaRPr>
           </a:p>
         </p:txBody>
       </p:sp>
@@ -14432,7 +14355,7 @@
                 <a:latin typeface="Times New Roman"/>
                 <a:cs typeface="Times New Roman"/>
               </a:rPr>
-              <a:t>90</a:t>
+              <a:t>108</a:t>
             </a:r>
             <a:endParaRPr lang="en-US" sz="1400" dirty="0">
               <a:latin typeface="Times New Roman"/>

--- a/ch04_datasets/figures/CorpusDataset_Stats.pptx
+++ b/ch04_datasets/figures/CorpusDataset_Stats.pptx
@@ -265,7 +265,7 @@
           <a:p>
             <a:fld id="{BEBD7BDA-03A1-4D4C-8414-F15750B47982}" type="datetimeFigureOut">
               <a:rPr lang="en-US" smtClean="0"/>
-              <a:t>9/18/16</a:t>
+              <a:t>9/28/16</a:t>
             </a:fld>
             <a:endParaRPr lang="en-US"/>
           </a:p>
@@ -435,7 +435,7 @@
           <a:p>
             <a:fld id="{BEBD7BDA-03A1-4D4C-8414-F15750B47982}" type="datetimeFigureOut">
               <a:rPr lang="en-US" smtClean="0"/>
-              <a:t>9/18/16</a:t>
+              <a:t>9/28/16</a:t>
             </a:fld>
             <a:endParaRPr lang="en-US"/>
           </a:p>
@@ -615,7 +615,7 @@
           <a:p>
             <a:fld id="{BEBD7BDA-03A1-4D4C-8414-F15750B47982}" type="datetimeFigureOut">
               <a:rPr lang="en-US" smtClean="0"/>
-              <a:t>9/18/16</a:t>
+              <a:t>9/28/16</a:t>
             </a:fld>
             <a:endParaRPr lang="en-US"/>
           </a:p>
@@ -785,7 +785,7 @@
           <a:p>
             <a:fld id="{BEBD7BDA-03A1-4D4C-8414-F15750B47982}" type="datetimeFigureOut">
               <a:rPr lang="en-US" smtClean="0"/>
-              <a:t>9/18/16</a:t>
+              <a:t>9/28/16</a:t>
             </a:fld>
             <a:endParaRPr lang="en-US"/>
           </a:p>
@@ -1031,7 +1031,7 @@
           <a:p>
             <a:fld id="{BEBD7BDA-03A1-4D4C-8414-F15750B47982}" type="datetimeFigureOut">
               <a:rPr lang="en-US" smtClean="0"/>
-              <a:t>9/18/16</a:t>
+              <a:t>9/28/16</a:t>
             </a:fld>
             <a:endParaRPr lang="en-US"/>
           </a:p>
@@ -1263,7 +1263,7 @@
           <a:p>
             <a:fld id="{BEBD7BDA-03A1-4D4C-8414-F15750B47982}" type="datetimeFigureOut">
               <a:rPr lang="en-US" smtClean="0"/>
-              <a:t>9/18/16</a:t>
+              <a:t>9/28/16</a:t>
             </a:fld>
             <a:endParaRPr lang="en-US"/>
           </a:p>
@@ -1630,7 +1630,7 @@
           <a:p>
             <a:fld id="{BEBD7BDA-03A1-4D4C-8414-F15750B47982}" type="datetimeFigureOut">
               <a:rPr lang="en-US" smtClean="0"/>
-              <a:t>9/18/16</a:t>
+              <a:t>9/28/16</a:t>
             </a:fld>
             <a:endParaRPr lang="en-US"/>
           </a:p>
@@ -1748,7 +1748,7 @@
           <a:p>
             <a:fld id="{BEBD7BDA-03A1-4D4C-8414-F15750B47982}" type="datetimeFigureOut">
               <a:rPr lang="en-US" smtClean="0"/>
-              <a:t>9/18/16</a:t>
+              <a:t>9/28/16</a:t>
             </a:fld>
             <a:endParaRPr lang="en-US"/>
           </a:p>
@@ -1843,7 +1843,7 @@
           <a:p>
             <a:fld id="{BEBD7BDA-03A1-4D4C-8414-F15750B47982}" type="datetimeFigureOut">
               <a:rPr lang="en-US" smtClean="0"/>
-              <a:t>9/18/16</a:t>
+              <a:t>9/28/16</a:t>
             </a:fld>
             <a:endParaRPr lang="en-US"/>
           </a:p>
@@ -2120,7 +2120,7 @@
           <a:p>
             <a:fld id="{BEBD7BDA-03A1-4D4C-8414-F15750B47982}" type="datetimeFigureOut">
               <a:rPr lang="en-US" smtClean="0"/>
-              <a:t>9/18/16</a:t>
+              <a:t>9/28/16</a:t>
             </a:fld>
             <a:endParaRPr lang="en-US"/>
           </a:p>
@@ -2373,7 +2373,7 @@
           <a:p>
             <a:fld id="{BEBD7BDA-03A1-4D4C-8414-F15750B47982}" type="datetimeFigureOut">
               <a:rPr lang="en-US" smtClean="0"/>
-              <a:t>9/18/16</a:t>
+              <a:t>9/28/16</a:t>
             </a:fld>
             <a:endParaRPr lang="en-US"/>
           </a:p>
@@ -2586,7 +2586,7 @@
           <a:p>
             <a:fld id="{BEBD7BDA-03A1-4D4C-8414-F15750B47982}" type="datetimeFigureOut">
               <a:rPr lang="en-US" smtClean="0"/>
-              <a:t>9/18/16</a:t>
+              <a:t>9/28/16</a:t>
             </a:fld>
             <a:endParaRPr lang="en-US"/>
           </a:p>
@@ -8500,8 +8500,16 @@
                 <a:ea typeface="Times New Roman" charset="0"/>
                 <a:cs typeface="Times New Roman" charset="0"/>
               </a:rPr>
-              <a:t>Concerts</a:t>
-            </a:r>
+              <a:t>Releases</a:t>
+            </a:r>
+            <a:endParaRPr lang="en-US" b="1" dirty="0" smtClean="0">
+              <a:solidFill>
+                <a:schemeClr val="tx1"/>
+              </a:solidFill>
+              <a:latin typeface="Times New Roman" charset="0"/>
+              <a:ea typeface="Times New Roman" charset="0"/>
+              <a:cs typeface="Times New Roman" charset="0"/>
+            </a:endParaRPr>
           </a:p>
           <a:p>
             <a:pPr algn="ctr"/>
@@ -9514,6 +9522,17 @@
           <a:p>
             <a:pPr algn="ctr"/>
             <a:r>
+              <a:rPr lang="en-US" b="1" dirty="0">
+                <a:solidFill>
+                  <a:schemeClr val="tx1"/>
+                </a:solidFill>
+                <a:latin typeface="Times New Roman" charset="0"/>
+                <a:ea typeface="Times New Roman" charset="0"/>
+                <a:cs typeface="Times New Roman" charset="0"/>
+              </a:rPr>
+              <a:t>R</a:t>
+            </a:r>
+            <a:r>
               <a:rPr lang="en-US" b="1" dirty="0" smtClean="0">
                 <a:solidFill>
                   <a:schemeClr val="tx1"/>
@@ -9522,8 +9541,16 @@
                 <a:ea typeface="Times New Roman" charset="0"/>
                 <a:cs typeface="Times New Roman" charset="0"/>
               </a:rPr>
-              <a:t>Concerts</a:t>
-            </a:r>
+              <a:t>eleases</a:t>
+            </a:r>
+            <a:endParaRPr lang="en-US" b="1" dirty="0" smtClean="0">
+              <a:solidFill>
+                <a:schemeClr val="tx1"/>
+              </a:solidFill>
+              <a:latin typeface="Times New Roman" charset="0"/>
+              <a:ea typeface="Times New Roman" charset="0"/>
+              <a:cs typeface="Times New Roman" charset="0"/>
+            </a:endParaRPr>
           </a:p>
           <a:p>
             <a:pPr algn="ctr"/>
@@ -11578,8 +11605,16 @@
                 <a:ea typeface="Times New Roman" charset="0"/>
                 <a:cs typeface="Times New Roman" charset="0"/>
               </a:rPr>
-              <a:t>Concerts</a:t>
-            </a:r>
+              <a:t>Releases</a:t>
+            </a:r>
+            <a:endParaRPr lang="en-US" b="1" dirty="0" smtClean="0">
+              <a:solidFill>
+                <a:schemeClr val="tx1"/>
+              </a:solidFill>
+              <a:latin typeface="Times New Roman" charset="0"/>
+              <a:ea typeface="Times New Roman" charset="0"/>
+              <a:cs typeface="Times New Roman" charset="0"/>
+            </a:endParaRPr>
           </a:p>
           <a:p>
             <a:pPr algn="ctr"/>
@@ -13690,8 +13725,15 @@
                 <a:latin typeface="Times New Roman"/>
                 <a:cs typeface="Times New Roman"/>
               </a:rPr>
-              <a:t>Concerts</a:t>
-            </a:r>
+              <a:t>Releases</a:t>
+            </a:r>
+            <a:endParaRPr lang="en-US" sz="1400" b="1" dirty="0" smtClean="0">
+              <a:solidFill>
+                <a:srgbClr val="000000"/>
+              </a:solidFill>
+              <a:latin typeface="Times New Roman"/>
+              <a:cs typeface="Times New Roman"/>
+            </a:endParaRPr>
           </a:p>
           <a:p>
             <a:pPr algn="ctr"/>
